--- a/CS301 Poster Draft 1.pptx
+++ b/CS301 Poster Draft 1.pptx
@@ -4,6 +4,9 @@
   <p:sldMasterIdLst>
     <p:sldMasterId id="2147483660" r:id="rId1"/>
   </p:sldMasterIdLst>
+  <p:notesMasterIdLst>
+    <p:notesMasterId r:id="rId3"/>
+  </p:notesMasterIdLst>
   <p:sldIdLst>
     <p:sldId id="256" r:id="rId2"/>
   </p:sldIdLst>
@@ -121,6 +124,439 @@
     </p:ext>
   </p:extLst>
 </p:presentation>
+</file>
+
+<file path=ppt/notesMasters/notesMaster1.xml><?xml version="1.0" encoding="utf-8"?>
+<p:notesMaster xmlns:a="http://schemas.openxmlformats.org/drawingml/2006/main" xmlns:r="http://schemas.openxmlformats.org/officeDocument/2006/relationships" xmlns:p="http://schemas.openxmlformats.org/presentationml/2006/main">
+  <p:cSld>
+    <p:bg>
+      <p:bgRef idx="1001">
+        <a:schemeClr val="bg1"/>
+      </p:bgRef>
+    </p:bg>
+    <p:spTree>
+      <p:nvGrpSpPr>
+        <p:cNvPr id="1" name=""/>
+        <p:cNvGrpSpPr/>
+        <p:nvPr/>
+      </p:nvGrpSpPr>
+      <p:grpSpPr>
+        <a:xfrm>
+          <a:off x="0" y="0"/>
+          <a:ext cx="0" cy="0"/>
+          <a:chOff x="0" y="0"/>
+          <a:chExt cx="0" cy="0"/>
+        </a:xfrm>
+      </p:grpSpPr>
+      <p:sp>
+        <p:nvSpPr>
+          <p:cNvPr id="2" name="Header Placeholder 1"/>
+          <p:cNvSpPr>
+            <a:spLocks noGrp="1"/>
+          </p:cNvSpPr>
+          <p:nvPr>
+            <p:ph type="hdr" sz="quarter"/>
+          </p:nvPr>
+        </p:nvSpPr>
+        <p:spPr>
+          <a:xfrm>
+            <a:off x="0" y="0"/>
+            <a:ext cx="2971800" cy="458788"/>
+          </a:xfrm>
+          <a:prstGeom prst="rect">
+            <a:avLst/>
+          </a:prstGeom>
+        </p:spPr>
+        <p:txBody>
+          <a:bodyPr vert="horz" lIns="91440" tIns="45720" rIns="91440" bIns="45720" rtlCol="0"/>
+          <a:lstStyle>
+            <a:lvl1pPr algn="l">
+              <a:defRPr sz="1200"/>
+            </a:lvl1pPr>
+          </a:lstStyle>
+          <a:p>
+            <a:endParaRPr lang="en-US"/>
+          </a:p>
+        </p:txBody>
+      </p:sp>
+      <p:sp>
+        <p:nvSpPr>
+          <p:cNvPr id="3" name="Date Placeholder 2"/>
+          <p:cNvSpPr>
+            <a:spLocks noGrp="1"/>
+          </p:cNvSpPr>
+          <p:nvPr>
+            <p:ph type="dt" idx="1"/>
+          </p:nvPr>
+        </p:nvSpPr>
+        <p:spPr>
+          <a:xfrm>
+            <a:off x="3884613" y="0"/>
+            <a:ext cx="2971800" cy="458788"/>
+          </a:xfrm>
+          <a:prstGeom prst="rect">
+            <a:avLst/>
+          </a:prstGeom>
+        </p:spPr>
+        <p:txBody>
+          <a:bodyPr vert="horz" lIns="91440" tIns="45720" rIns="91440" bIns="45720" rtlCol="0"/>
+          <a:lstStyle>
+            <a:lvl1pPr algn="r">
+              <a:defRPr sz="1200"/>
+            </a:lvl1pPr>
+          </a:lstStyle>
+          <a:p>
+            <a:fld id="{A903D031-D8CC-48AE-9F7B-F90AD8E9351D}" type="datetimeFigureOut">
+              <a:rPr lang="en-US" smtClean="0"/>
+              <a:t>3/16/2018</a:t>
+            </a:fld>
+            <a:endParaRPr lang="en-US"/>
+          </a:p>
+        </p:txBody>
+      </p:sp>
+      <p:sp>
+        <p:nvSpPr>
+          <p:cNvPr id="4" name="Slide Image Placeholder 3"/>
+          <p:cNvSpPr>
+            <a:spLocks noGrp="1" noRot="1" noChangeAspect="1"/>
+          </p:cNvSpPr>
+          <p:nvPr>
+            <p:ph type="sldImg" idx="2"/>
+          </p:nvPr>
+        </p:nvSpPr>
+        <p:spPr>
+          <a:xfrm>
+            <a:off x="1114425" y="1143000"/>
+            <a:ext cx="4629150" cy="3086100"/>
+          </a:xfrm>
+          <a:prstGeom prst="rect">
+            <a:avLst/>
+          </a:prstGeom>
+          <a:noFill/>
+          <a:ln w="12700">
+            <a:solidFill>
+              <a:prstClr val="black"/>
+            </a:solidFill>
+          </a:ln>
+        </p:spPr>
+        <p:txBody>
+          <a:bodyPr vert="horz" lIns="91440" tIns="45720" rIns="91440" bIns="45720" rtlCol="0" anchor="ctr"/>
+          <a:lstStyle/>
+          <a:p>
+            <a:endParaRPr lang="en-US"/>
+          </a:p>
+        </p:txBody>
+      </p:sp>
+      <p:sp>
+        <p:nvSpPr>
+          <p:cNvPr id="5" name="Notes Placeholder 4"/>
+          <p:cNvSpPr>
+            <a:spLocks noGrp="1"/>
+          </p:cNvSpPr>
+          <p:nvPr>
+            <p:ph type="body" sz="quarter" idx="3"/>
+          </p:nvPr>
+        </p:nvSpPr>
+        <p:spPr>
+          <a:xfrm>
+            <a:off x="685800" y="4400550"/>
+            <a:ext cx="5486400" cy="3600450"/>
+          </a:xfrm>
+          <a:prstGeom prst="rect">
+            <a:avLst/>
+          </a:prstGeom>
+        </p:spPr>
+        <p:txBody>
+          <a:bodyPr vert="horz" lIns="91440" tIns="45720" rIns="91440" bIns="45720" rtlCol="0"/>
+          <a:lstStyle/>
+          <a:p>
+            <a:pPr lvl="0"/>
+            <a:r>
+              <a:rPr lang="en-US"/>
+              <a:t>Edit Master text styles</a:t>
+            </a:r>
+          </a:p>
+          <a:p>
+            <a:pPr lvl="1"/>
+            <a:r>
+              <a:rPr lang="en-US"/>
+              <a:t>Second level</a:t>
+            </a:r>
+          </a:p>
+          <a:p>
+            <a:pPr lvl="2"/>
+            <a:r>
+              <a:rPr lang="en-US"/>
+              <a:t>Third level</a:t>
+            </a:r>
+          </a:p>
+          <a:p>
+            <a:pPr lvl="3"/>
+            <a:r>
+              <a:rPr lang="en-US"/>
+              <a:t>Fourth level</a:t>
+            </a:r>
+          </a:p>
+          <a:p>
+            <a:pPr lvl="4"/>
+            <a:r>
+              <a:rPr lang="en-US"/>
+              <a:t>Fifth level</a:t>
+            </a:r>
+          </a:p>
+        </p:txBody>
+      </p:sp>
+      <p:sp>
+        <p:nvSpPr>
+          <p:cNvPr id="6" name="Footer Placeholder 5"/>
+          <p:cNvSpPr>
+            <a:spLocks noGrp="1"/>
+          </p:cNvSpPr>
+          <p:nvPr>
+            <p:ph type="ftr" sz="quarter" idx="4"/>
+          </p:nvPr>
+        </p:nvSpPr>
+        <p:spPr>
+          <a:xfrm>
+            <a:off x="0" y="8685213"/>
+            <a:ext cx="2971800" cy="458787"/>
+          </a:xfrm>
+          <a:prstGeom prst="rect">
+            <a:avLst/>
+          </a:prstGeom>
+        </p:spPr>
+        <p:txBody>
+          <a:bodyPr vert="horz" lIns="91440" tIns="45720" rIns="91440" bIns="45720" rtlCol="0" anchor="b"/>
+          <a:lstStyle>
+            <a:lvl1pPr algn="l">
+              <a:defRPr sz="1200"/>
+            </a:lvl1pPr>
+          </a:lstStyle>
+          <a:p>
+            <a:endParaRPr lang="en-US"/>
+          </a:p>
+        </p:txBody>
+      </p:sp>
+      <p:sp>
+        <p:nvSpPr>
+          <p:cNvPr id="7" name="Slide Number Placeholder 6"/>
+          <p:cNvSpPr>
+            <a:spLocks noGrp="1"/>
+          </p:cNvSpPr>
+          <p:nvPr>
+            <p:ph type="sldNum" sz="quarter" idx="5"/>
+          </p:nvPr>
+        </p:nvSpPr>
+        <p:spPr>
+          <a:xfrm>
+            <a:off x="3884613" y="8685213"/>
+            <a:ext cx="2971800" cy="458787"/>
+          </a:xfrm>
+          <a:prstGeom prst="rect">
+            <a:avLst/>
+          </a:prstGeom>
+        </p:spPr>
+        <p:txBody>
+          <a:bodyPr vert="horz" lIns="91440" tIns="45720" rIns="91440" bIns="45720" rtlCol="0" anchor="b"/>
+          <a:lstStyle>
+            <a:lvl1pPr algn="r">
+              <a:defRPr sz="1200"/>
+            </a:lvl1pPr>
+          </a:lstStyle>
+          <a:p>
+            <a:fld id="{AEB3C543-6AC9-481C-BDD2-C0D8B0E6A739}" type="slidenum">
+              <a:rPr lang="en-US" smtClean="0"/>
+              <a:t>‹#›</a:t>
+            </a:fld>
+            <a:endParaRPr lang="en-US"/>
+          </a:p>
+        </p:txBody>
+      </p:sp>
+    </p:spTree>
+    <p:extLst>
+      <p:ext uri="{BB962C8B-B14F-4D97-AF65-F5344CB8AC3E}">
+        <p14:creationId xmlns:p14="http://schemas.microsoft.com/office/powerpoint/2010/main" val="1679363863"/>
+      </p:ext>
+    </p:extLst>
+  </p:cSld>
+  <p:clrMap bg1="lt1" tx1="dk1" bg2="lt2" tx2="dk2" accent1="accent1" accent2="accent2" accent3="accent3" accent4="accent4" accent5="accent5" accent6="accent6" hlink="hlink" folHlink="folHlink"/>
+  <p:notesStyle>
+    <a:lvl1pPr marL="0" algn="l" defTabSz="914400" rtl="0" eaLnBrk="1" latinLnBrk="0" hangingPunct="1">
+      <a:defRPr sz="1200" kern="1200">
+        <a:solidFill>
+          <a:schemeClr val="tx1"/>
+        </a:solidFill>
+        <a:latin typeface="+mn-lt"/>
+        <a:ea typeface="+mn-ea"/>
+        <a:cs typeface="+mn-cs"/>
+      </a:defRPr>
+    </a:lvl1pPr>
+    <a:lvl2pPr marL="457200" algn="l" defTabSz="914400" rtl="0" eaLnBrk="1" latinLnBrk="0" hangingPunct="1">
+      <a:defRPr sz="1200" kern="1200">
+        <a:solidFill>
+          <a:schemeClr val="tx1"/>
+        </a:solidFill>
+        <a:latin typeface="+mn-lt"/>
+        <a:ea typeface="+mn-ea"/>
+        <a:cs typeface="+mn-cs"/>
+      </a:defRPr>
+    </a:lvl2pPr>
+    <a:lvl3pPr marL="914400" algn="l" defTabSz="914400" rtl="0" eaLnBrk="1" latinLnBrk="0" hangingPunct="1">
+      <a:defRPr sz="1200" kern="1200">
+        <a:solidFill>
+          <a:schemeClr val="tx1"/>
+        </a:solidFill>
+        <a:latin typeface="+mn-lt"/>
+        <a:ea typeface="+mn-ea"/>
+        <a:cs typeface="+mn-cs"/>
+      </a:defRPr>
+    </a:lvl3pPr>
+    <a:lvl4pPr marL="1371600" algn="l" defTabSz="914400" rtl="0" eaLnBrk="1" latinLnBrk="0" hangingPunct="1">
+      <a:defRPr sz="1200" kern="1200">
+        <a:solidFill>
+          <a:schemeClr val="tx1"/>
+        </a:solidFill>
+        <a:latin typeface="+mn-lt"/>
+        <a:ea typeface="+mn-ea"/>
+        <a:cs typeface="+mn-cs"/>
+      </a:defRPr>
+    </a:lvl4pPr>
+    <a:lvl5pPr marL="1828800" algn="l" defTabSz="914400" rtl="0" eaLnBrk="1" latinLnBrk="0" hangingPunct="1">
+      <a:defRPr sz="1200" kern="1200">
+        <a:solidFill>
+          <a:schemeClr val="tx1"/>
+        </a:solidFill>
+        <a:latin typeface="+mn-lt"/>
+        <a:ea typeface="+mn-ea"/>
+        <a:cs typeface="+mn-cs"/>
+      </a:defRPr>
+    </a:lvl5pPr>
+    <a:lvl6pPr marL="2286000" algn="l" defTabSz="914400" rtl="0" eaLnBrk="1" latinLnBrk="0" hangingPunct="1">
+      <a:defRPr sz="1200" kern="1200">
+        <a:solidFill>
+          <a:schemeClr val="tx1"/>
+        </a:solidFill>
+        <a:latin typeface="+mn-lt"/>
+        <a:ea typeface="+mn-ea"/>
+        <a:cs typeface="+mn-cs"/>
+      </a:defRPr>
+    </a:lvl6pPr>
+    <a:lvl7pPr marL="2743200" algn="l" defTabSz="914400" rtl="0" eaLnBrk="1" latinLnBrk="0" hangingPunct="1">
+      <a:defRPr sz="1200" kern="1200">
+        <a:solidFill>
+          <a:schemeClr val="tx1"/>
+        </a:solidFill>
+        <a:latin typeface="+mn-lt"/>
+        <a:ea typeface="+mn-ea"/>
+        <a:cs typeface="+mn-cs"/>
+      </a:defRPr>
+    </a:lvl7pPr>
+    <a:lvl8pPr marL="3200400" algn="l" defTabSz="914400" rtl="0" eaLnBrk="1" latinLnBrk="0" hangingPunct="1">
+      <a:defRPr sz="1200" kern="1200">
+        <a:solidFill>
+          <a:schemeClr val="tx1"/>
+        </a:solidFill>
+        <a:latin typeface="+mn-lt"/>
+        <a:ea typeface="+mn-ea"/>
+        <a:cs typeface="+mn-cs"/>
+      </a:defRPr>
+    </a:lvl8pPr>
+    <a:lvl9pPr marL="3657600" algn="l" defTabSz="914400" rtl="0" eaLnBrk="1" latinLnBrk="0" hangingPunct="1">
+      <a:defRPr sz="1200" kern="1200">
+        <a:solidFill>
+          <a:schemeClr val="tx1"/>
+        </a:solidFill>
+        <a:latin typeface="+mn-lt"/>
+        <a:ea typeface="+mn-ea"/>
+        <a:cs typeface="+mn-cs"/>
+      </a:defRPr>
+    </a:lvl9pPr>
+  </p:notesStyle>
+</p:notesMaster>
+</file>
+
+<file path=ppt/notesSlides/notesSlide1.xml><?xml version="1.0" encoding="utf-8"?>
+<p:notes xmlns:a="http://schemas.openxmlformats.org/drawingml/2006/main" xmlns:r="http://schemas.openxmlformats.org/officeDocument/2006/relationships" xmlns:p="http://schemas.openxmlformats.org/presentationml/2006/main">
+  <p:cSld>
+    <p:spTree>
+      <p:nvGrpSpPr>
+        <p:cNvPr id="1" name=""/>
+        <p:cNvGrpSpPr/>
+        <p:nvPr/>
+      </p:nvGrpSpPr>
+      <p:grpSpPr>
+        <a:xfrm>
+          <a:off x="0" y="0"/>
+          <a:ext cx="0" cy="0"/>
+          <a:chOff x="0" y="0"/>
+          <a:chExt cx="0" cy="0"/>
+        </a:xfrm>
+      </p:grpSpPr>
+      <p:sp>
+        <p:nvSpPr>
+          <p:cNvPr id="2" name="Slide Image Placeholder 1"/>
+          <p:cNvSpPr>
+            <a:spLocks noGrp="1" noRot="1" noChangeAspect="1"/>
+          </p:cNvSpPr>
+          <p:nvPr>
+            <p:ph type="sldImg"/>
+          </p:nvPr>
+        </p:nvSpPr>
+        <p:spPr/>
+      </p:sp>
+      <p:sp>
+        <p:nvSpPr>
+          <p:cNvPr id="3" name="Notes Placeholder 2"/>
+          <p:cNvSpPr>
+            <a:spLocks noGrp="1"/>
+          </p:cNvSpPr>
+          <p:nvPr>
+            <p:ph type="body" idx="1"/>
+          </p:nvPr>
+        </p:nvSpPr>
+        <p:spPr/>
+        <p:txBody>
+          <a:bodyPr/>
+          <a:lstStyle/>
+          <a:p>
+            <a:endParaRPr lang="en-US" dirty="0"/>
+          </a:p>
+        </p:txBody>
+      </p:sp>
+      <p:sp>
+        <p:nvSpPr>
+          <p:cNvPr id="4" name="Slide Number Placeholder 3"/>
+          <p:cNvSpPr>
+            <a:spLocks noGrp="1"/>
+          </p:cNvSpPr>
+          <p:nvPr>
+            <p:ph type="sldNum" sz="quarter" idx="10"/>
+          </p:nvPr>
+        </p:nvSpPr>
+        <p:spPr/>
+        <p:txBody>
+          <a:bodyPr/>
+          <a:lstStyle/>
+          <a:p>
+            <a:fld id="{AEB3C543-6AC9-481C-BDD2-C0D8B0E6A739}" type="slidenum">
+              <a:rPr lang="en-US" smtClean="0"/>
+              <a:t>1</a:t>
+            </a:fld>
+            <a:endParaRPr lang="en-US"/>
+          </a:p>
+        </p:txBody>
+      </p:sp>
+    </p:spTree>
+    <p:extLst>
+      <p:ext uri="{BB962C8B-B14F-4D97-AF65-F5344CB8AC3E}">
+        <p14:creationId xmlns:p14="http://schemas.microsoft.com/office/powerpoint/2010/main" val="2287619882"/>
+      </p:ext>
+    </p:extLst>
+  </p:cSld>
+  <p:clrMapOvr>
+    <a:masterClrMapping/>
+  </p:clrMapOvr>
+</p:notes>
 </file>
 
 <file path=ppt/slideLayouts/slideLayout1.xml><?xml version="1.0" encoding="utf-8"?>
@@ -492,14 +928,14 @@
       </p:grpSpPr>
       <p:sp>
         <p:nvSpPr>
-          <p:cNvPr id="6" name="TextBox 5"/>
+          <p:cNvPr id="13" name="TextBox 12"/>
           <p:cNvSpPr txBox="1"/>
           <p:nvPr/>
         </p:nvSpPr>
         <p:spPr>
           <a:xfrm>
-            <a:off x="3140755" y="8500930"/>
-            <a:ext cx="8457129" cy="1261884"/>
+            <a:off x="3140754" y="5585697"/>
+            <a:ext cx="37609689" cy="1754326"/>
           </a:xfrm>
           <a:prstGeom prst="rect">
             <a:avLst/>
@@ -512,325 +948,6 @@
           </a:bodyPr>
           <a:lstStyle/>
           <a:p>
-            <a:r>
-              <a:rPr lang="en-US" sz="4800" b="1" dirty="0">
-                <a:latin typeface="Arial"/>
-                <a:cs typeface="Arial"/>
-              </a:rPr>
-              <a:t>Vendor Management</a:t>
-            </a:r>
-          </a:p>
-          <a:p>
-            <a:r>
-              <a:rPr lang="en-US" sz="2800" dirty="0">
-                <a:latin typeface="Arial"/>
-                <a:cs typeface="Arial"/>
-              </a:rPr>
-              <a:t>Identify the current solution and its downsides</a:t>
-            </a:r>
-          </a:p>
-        </p:txBody>
-      </p:sp>
-      <p:sp>
-        <p:nvSpPr>
-          <p:cNvPr id="7" name="TextBox 6"/>
-          <p:cNvSpPr txBox="1"/>
-          <p:nvPr/>
-        </p:nvSpPr>
-        <p:spPr>
-          <a:xfrm>
-            <a:off x="12925624" y="8500930"/>
-            <a:ext cx="8457129" cy="2123658"/>
-          </a:xfrm>
-          <a:prstGeom prst="rect">
-            <a:avLst/>
-          </a:prstGeom>
-          <a:noFill/>
-        </p:spPr>
-        <p:txBody>
-          <a:bodyPr wrap="square" rtlCol="0">
-            <a:spAutoFit/>
-          </a:bodyPr>
-          <a:lstStyle/>
-          <a:p>
-            <a:r>
-              <a:rPr lang="en-US" sz="4800" b="1" dirty="0">
-                <a:latin typeface="Arial"/>
-                <a:cs typeface="Arial"/>
-              </a:rPr>
-              <a:t>ServiceNow</a:t>
-            </a:r>
-          </a:p>
-          <a:p>
-            <a:pPr marL="457200" indent="-457200">
-              <a:buFont typeface="Arial" panose="020B0604020202020204" pitchFamily="34" charset="0"/>
-              <a:buChar char="•"/>
-            </a:pPr>
-            <a:r>
-              <a:rPr lang="en-US" sz="2800" dirty="0">
-                <a:latin typeface="Arial"/>
-                <a:cs typeface="Arial"/>
-              </a:rPr>
-              <a:t>Introduction for ServiceNow,</a:t>
-            </a:r>
-          </a:p>
-          <a:p>
-            <a:pPr marL="457200" indent="-457200">
-              <a:buFont typeface="Arial" panose="020B0604020202020204" pitchFamily="34" charset="0"/>
-              <a:buChar char="•"/>
-            </a:pPr>
-            <a:r>
-              <a:rPr lang="en-US" sz="2800" dirty="0">
-                <a:latin typeface="Arial"/>
-                <a:cs typeface="Arial"/>
-              </a:rPr>
-              <a:t>Development process</a:t>
-            </a:r>
-          </a:p>
-          <a:p>
-            <a:pPr marL="457200" indent="-457200">
-              <a:buFont typeface="Arial" panose="020B0604020202020204" pitchFamily="34" charset="0"/>
-              <a:buChar char="•"/>
-            </a:pPr>
-            <a:r>
-              <a:rPr lang="en-US" sz="2800" dirty="0">
-                <a:latin typeface="Arial"/>
-                <a:cs typeface="Arial"/>
-              </a:rPr>
-              <a:t>Say some good shit here</a:t>
-            </a:r>
-          </a:p>
-        </p:txBody>
-      </p:sp>
-      <p:sp>
-        <p:nvSpPr>
-          <p:cNvPr id="8" name="TextBox 7"/>
-          <p:cNvSpPr txBox="1"/>
-          <p:nvPr/>
-        </p:nvSpPr>
-        <p:spPr>
-          <a:xfrm>
-            <a:off x="22595038" y="8500930"/>
-            <a:ext cx="8457129" cy="1261884"/>
-          </a:xfrm>
-          <a:prstGeom prst="rect">
-            <a:avLst/>
-          </a:prstGeom>
-          <a:noFill/>
-        </p:spPr>
-        <p:txBody>
-          <a:bodyPr wrap="square" rtlCol="0">
-            <a:spAutoFit/>
-          </a:bodyPr>
-          <a:lstStyle/>
-          <a:p>
-            <a:r>
-              <a:rPr lang="en-US" sz="4800" b="1" dirty="0">
-                <a:latin typeface="Arial"/>
-                <a:cs typeface="Arial"/>
-              </a:rPr>
-              <a:t>Header</a:t>
-            </a:r>
-          </a:p>
-          <a:p>
-            <a:r>
-              <a:rPr lang="en-US" sz="2800" dirty="0">
-                <a:latin typeface="Arial"/>
-                <a:cs typeface="Arial"/>
-              </a:rPr>
-              <a:t>Summary</a:t>
-            </a:r>
-          </a:p>
-        </p:txBody>
-      </p:sp>
-      <p:sp>
-        <p:nvSpPr>
-          <p:cNvPr id="9" name="TextBox 8"/>
-          <p:cNvSpPr txBox="1"/>
-          <p:nvPr/>
-        </p:nvSpPr>
-        <p:spPr>
-          <a:xfrm>
-            <a:off x="32293315" y="8500930"/>
-            <a:ext cx="8457129" cy="1261884"/>
-          </a:xfrm>
-          <a:prstGeom prst="rect">
-            <a:avLst/>
-          </a:prstGeom>
-          <a:noFill/>
-        </p:spPr>
-        <p:txBody>
-          <a:bodyPr wrap="square" rtlCol="0">
-            <a:spAutoFit/>
-          </a:bodyPr>
-          <a:lstStyle/>
-          <a:p>
-            <a:r>
-              <a:rPr lang="en-US" sz="4800" b="1" dirty="0">
-                <a:ln>
-                  <a:noFill/>
-                  <a:prstDash val="dot"/>
-                </a:ln>
-                <a:latin typeface="Arial"/>
-                <a:cs typeface="Arial"/>
-              </a:rPr>
-              <a:t>Technology</a:t>
-            </a:r>
-          </a:p>
-          <a:p>
-            <a:r>
-              <a:rPr lang="en-US" sz="2800" dirty="0">
-                <a:ln>
-                  <a:noFill/>
-                  <a:prstDash val="dot"/>
-                </a:ln>
-                <a:latin typeface="Arial"/>
-                <a:cs typeface="Arial"/>
-              </a:rPr>
-              <a:t>List of technology used in the project</a:t>
-            </a:r>
-          </a:p>
-        </p:txBody>
-      </p:sp>
-      <p:cxnSp>
-        <p:nvCxnSpPr>
-          <p:cNvPr id="10" name="Straight Connector 9"/>
-          <p:cNvCxnSpPr/>
-          <p:nvPr/>
-        </p:nvCxnSpPr>
-        <p:spPr>
-          <a:xfrm>
-            <a:off x="12232891" y="8154563"/>
-            <a:ext cx="0" cy="15932885"/>
-          </a:xfrm>
-          <a:prstGeom prst="line">
-            <a:avLst/>
-          </a:prstGeom>
-          <a:ln>
-            <a:solidFill>
-              <a:srgbClr val="000000"/>
-            </a:solidFill>
-            <a:prstDash val="dot"/>
-          </a:ln>
-        </p:spPr>
-        <p:style>
-          <a:lnRef idx="2">
-            <a:schemeClr val="accent1"/>
-          </a:lnRef>
-          <a:fillRef idx="0">
-            <a:schemeClr val="accent1"/>
-          </a:fillRef>
-          <a:effectRef idx="1">
-            <a:schemeClr val="accent1"/>
-          </a:effectRef>
-          <a:fontRef idx="minor">
-            <a:schemeClr val="tx1"/>
-          </a:fontRef>
-        </p:style>
-      </p:cxnSp>
-      <p:cxnSp>
-        <p:nvCxnSpPr>
-          <p:cNvPr id="11" name="Straight Connector 10"/>
-          <p:cNvCxnSpPr/>
-          <p:nvPr/>
-        </p:nvCxnSpPr>
-        <p:spPr>
-          <a:xfrm>
-            <a:off x="21960033" y="8154563"/>
-            <a:ext cx="0" cy="15932885"/>
-          </a:xfrm>
-          <a:prstGeom prst="line">
-            <a:avLst/>
-          </a:prstGeom>
-          <a:ln>
-            <a:solidFill>
-              <a:srgbClr val="000000"/>
-            </a:solidFill>
-            <a:prstDash val="dot"/>
-          </a:ln>
-        </p:spPr>
-        <p:style>
-          <a:lnRef idx="2">
-            <a:schemeClr val="accent1"/>
-          </a:lnRef>
-          <a:fillRef idx="0">
-            <a:schemeClr val="accent1"/>
-          </a:fillRef>
-          <a:effectRef idx="1">
-            <a:schemeClr val="accent1"/>
-          </a:effectRef>
-          <a:fontRef idx="minor">
-            <a:schemeClr val="tx1"/>
-          </a:fontRef>
-        </p:style>
-      </p:cxnSp>
-      <p:cxnSp>
-        <p:nvCxnSpPr>
-          <p:cNvPr id="12" name="Straight Connector 11"/>
-          <p:cNvCxnSpPr/>
-          <p:nvPr/>
-        </p:nvCxnSpPr>
-        <p:spPr>
-          <a:xfrm>
-            <a:off x="31629447" y="8154563"/>
-            <a:ext cx="0" cy="15932885"/>
-          </a:xfrm>
-          <a:prstGeom prst="line">
-            <a:avLst/>
-          </a:prstGeom>
-          <a:ln>
-            <a:solidFill>
-              <a:srgbClr val="000000"/>
-            </a:solidFill>
-            <a:prstDash val="dot"/>
-          </a:ln>
-        </p:spPr>
-        <p:style>
-          <a:lnRef idx="2">
-            <a:schemeClr val="accent1"/>
-          </a:lnRef>
-          <a:fillRef idx="0">
-            <a:schemeClr val="accent1"/>
-          </a:fillRef>
-          <a:effectRef idx="1">
-            <a:schemeClr val="accent1"/>
-          </a:effectRef>
-          <a:fontRef idx="minor">
-            <a:schemeClr val="tx1"/>
-          </a:fontRef>
-        </p:style>
-      </p:cxnSp>
-      <p:sp>
-        <p:nvSpPr>
-          <p:cNvPr id="13" name="TextBox 12"/>
-          <p:cNvSpPr txBox="1"/>
-          <p:nvPr/>
-        </p:nvSpPr>
-        <p:spPr>
-          <a:xfrm>
-            <a:off x="3140755" y="3321999"/>
-            <a:ext cx="37609689" cy="3447098"/>
-          </a:xfrm>
-          <a:prstGeom prst="rect">
-            <a:avLst/>
-          </a:prstGeom>
-          <a:noFill/>
-        </p:spPr>
-        <p:txBody>
-          <a:bodyPr wrap="square" rtlCol="0">
-            <a:spAutoFit/>
-          </a:bodyPr>
-          <a:lstStyle/>
-          <a:p>
-            <a:r>
-              <a:rPr lang="en-US" sz="11000" b="1" dirty="0">
-                <a:latin typeface="Arial"/>
-                <a:cs typeface="Arial"/>
-              </a:rPr>
-              <a:t>[Vendor Management Application for ServiceNow]</a:t>
-            </a:r>
-          </a:p>
-          <a:p>
             <a:endParaRPr lang="en-US" sz="2400" b="1" dirty="0">
               <a:latin typeface="Arial"/>
               <a:cs typeface="Arial"/>
@@ -855,7 +972,7 @@
                 <a:latin typeface="Arial"/>
                 <a:cs typeface="Arial"/>
               </a:rPr>
-              <a:t>[Paul Nguyen], [Michael Tran], [Yuchen Tian]  |  </a:t>
+              <a:t>Paul Nguyen, Michael Tran, Yuchen Tian |  </a:t>
             </a:r>
             <a:r>
               <a:rPr lang="en-US" sz="3600" b="1" dirty="0">
@@ -875,7 +992,7 @@
                 <a:latin typeface="Arial"/>
                 <a:cs typeface="Arial"/>
               </a:rPr>
-              <a:t>[Robert Dahlberg, PhD]  |  </a:t>
+              <a:t>Robert Dahlberg  |  </a:t>
             </a:r>
             <a:r>
               <a:rPr lang="en-US" sz="3600" b="1" dirty="0">
@@ -895,7 +1012,7 @@
                 <a:latin typeface="Arial"/>
                 <a:cs typeface="Arial"/>
               </a:rPr>
-              <a:t>[Bravium Consulting Inc.]  |  </a:t>
+              <a:t>Bravium Consulting Inc.  |  </a:t>
             </a:r>
             <a:r>
               <a:rPr lang="en-US" sz="3600" b="1" dirty="0">
@@ -915,47 +1032,7 @@
                 <a:latin typeface="Arial"/>
                 <a:cs typeface="Arial"/>
               </a:rPr>
-              <a:t>[</a:t>
-            </a:r>
-            <a:r>
-              <a:rPr lang="en-US" sz="3600" dirty="0" err="1">
-                <a:solidFill>
-                  <a:srgbClr val="3C3C3B"/>
-                </a:solidFill>
-                <a:latin typeface="Arial"/>
-                <a:cs typeface="Arial"/>
-              </a:rPr>
-              <a:t>Nic</a:t>
-            </a:r>
-            <a:r>
-              <a:rPr lang="en-US" sz="3600" dirty="0">
-                <a:solidFill>
-                  <a:srgbClr val="3C3C3B"/>
-                </a:solidFill>
-                <a:latin typeface="Arial"/>
-                <a:cs typeface="Arial"/>
-              </a:rPr>
-              <a:t> </a:t>
-            </a:r>
-            <a:r>
-              <a:rPr lang="en-US" sz="3600" dirty="0" err="1">
-                <a:solidFill>
-                  <a:srgbClr val="3C3C3B"/>
-                </a:solidFill>
-                <a:latin typeface="Arial"/>
-                <a:cs typeface="Arial"/>
-              </a:rPr>
-              <a:t>Skirpan</a:t>
-            </a:r>
-            <a:r>
-              <a:rPr lang="en-US" sz="3600" dirty="0">
-                <a:solidFill>
-                  <a:srgbClr val="3C3C3B"/>
-                </a:solidFill>
-                <a:latin typeface="Arial"/>
-                <a:cs typeface="Arial"/>
-              </a:rPr>
-              <a:t>]</a:t>
+              <a:t>Nic Skirpan</a:t>
             </a:r>
           </a:p>
           <a:p>
@@ -1043,7 +1120,1258 @@
                 <a:ea typeface="Arial" charset="0"/>
                 <a:cs typeface="Arial" charset="0"/>
               </a:rPr>
-              <a:t>[301]</a:t>
+              <a:t>301</a:t>
+            </a:r>
+          </a:p>
+        </p:txBody>
+      </p:sp>
+      <p:pic>
+        <p:nvPicPr>
+          <p:cNvPr id="3" name="Graphic 2">
+            <a:extLst>
+              <a:ext uri="{FF2B5EF4-FFF2-40B4-BE49-F238E27FC236}">
+                <a16:creationId xmlns:a16="http://schemas.microsoft.com/office/drawing/2014/main" id="{94DF8CEA-B0AE-4141-A4C7-BD086408D660}"/>
+              </a:ext>
+            </a:extLst>
+          </p:cNvPr>
+          <p:cNvPicPr>
+            <a:picLocks noChangeAspect="1"/>
+          </p:cNvPicPr>
+          <p:nvPr/>
+        </p:nvPicPr>
+        <p:blipFill>
+          <a:blip r:embed="rId4">
+            <a:extLst>
+              <a:ext uri="{96DAC541-7B7A-43D3-8B79-37D633B846F1}">
+                <asvg:svgBlip xmlns:asvg="http://schemas.microsoft.com/office/drawing/2016/SVG/main" r:embed="rId5"/>
+              </a:ext>
+            </a:extLst>
+          </a:blip>
+          <a:stretch>
+            <a:fillRect/>
+          </a:stretch>
+        </p:blipFill>
+        <p:spPr>
+          <a:xfrm>
+            <a:off x="3152018" y="3357068"/>
+            <a:ext cx="6727145" cy="2228850"/>
+          </a:xfrm>
+          <a:prstGeom prst="rect">
+            <a:avLst/>
+          </a:prstGeom>
+        </p:spPr>
+      </p:pic>
+      <p:sp>
+        <p:nvSpPr>
+          <p:cNvPr id="5" name="TextBox 4">
+            <a:extLst>
+              <a:ext uri="{FF2B5EF4-FFF2-40B4-BE49-F238E27FC236}">
+                <a16:creationId xmlns:a16="http://schemas.microsoft.com/office/drawing/2014/main" id="{57AE61C1-1C34-4530-94C8-1E7D607874B9}"/>
+              </a:ext>
+            </a:extLst>
+          </p:cNvPr>
+          <p:cNvSpPr txBox="1"/>
+          <p:nvPr/>
+        </p:nvSpPr>
+        <p:spPr>
+          <a:xfrm>
+            <a:off x="10251691" y="4092665"/>
+            <a:ext cx="17335500" cy="1446550"/>
+          </a:xfrm>
+          <a:prstGeom prst="rect">
+            <a:avLst/>
+          </a:prstGeom>
+          <a:noFill/>
+        </p:spPr>
+        <p:txBody>
+          <a:bodyPr wrap="square" rtlCol="0">
+            <a:spAutoFit/>
+          </a:bodyPr>
+          <a:lstStyle/>
+          <a:p>
+            <a:r>
+              <a:rPr lang="en-US" sz="8800" dirty="0"/>
+              <a:t>Vendor Management Portal</a:t>
+            </a:r>
+          </a:p>
+        </p:txBody>
+      </p:sp>
+      <p:pic>
+        <p:nvPicPr>
+          <p:cNvPr id="21" name="Picture 20">
+            <a:extLst>
+              <a:ext uri="{FF2B5EF4-FFF2-40B4-BE49-F238E27FC236}">
+                <a16:creationId xmlns:a16="http://schemas.microsoft.com/office/drawing/2014/main" id="{31152F4C-ECEB-4799-9D13-27903FE95384}"/>
+              </a:ext>
+            </a:extLst>
+          </p:cNvPr>
+          <p:cNvPicPr>
+            <a:picLocks noChangeAspect="1"/>
+          </p:cNvPicPr>
+          <p:nvPr/>
+        </p:nvPicPr>
+        <p:blipFill>
+          <a:blip r:embed="rId6"/>
+          <a:stretch>
+            <a:fillRect/>
+          </a:stretch>
+        </p:blipFill>
+        <p:spPr>
+          <a:xfrm>
+            <a:off x="32206728" y="9790610"/>
+            <a:ext cx="7552063" cy="1575864"/>
+          </a:xfrm>
+          <a:prstGeom prst="rect">
+            <a:avLst/>
+          </a:prstGeom>
+        </p:spPr>
+      </p:pic>
+      <p:sp>
+        <p:nvSpPr>
+          <p:cNvPr id="30" name="Rectangle 29">
+            <a:extLst>
+              <a:ext uri="{FF2B5EF4-FFF2-40B4-BE49-F238E27FC236}">
+                <a16:creationId xmlns:a16="http://schemas.microsoft.com/office/drawing/2014/main" id="{049FB5B4-CE32-49D1-8FA7-FBB13BA0CBB9}"/>
+              </a:ext>
+            </a:extLst>
+          </p:cNvPr>
+          <p:cNvSpPr/>
+          <p:nvPr/>
+        </p:nvSpPr>
+        <p:spPr>
+          <a:xfrm>
+            <a:off x="32206728" y="10781698"/>
+            <a:ext cx="8915841" cy="7478970"/>
+          </a:xfrm>
+          <a:prstGeom prst="rect">
+            <a:avLst/>
+          </a:prstGeom>
+        </p:spPr>
+        <p:txBody>
+          <a:bodyPr wrap="square">
+            <a:spAutoFit/>
+          </a:bodyPr>
+          <a:lstStyle/>
+          <a:p>
+            <a:endParaRPr lang="en-US" sz="4000" b="1" dirty="0">
+              <a:latin typeface="Arial"/>
+              <a:cs typeface="Arial"/>
+            </a:endParaRPr>
+          </a:p>
+          <a:p>
+            <a:pPr algn="just"/>
+            <a:r>
+              <a:rPr lang="en-US" sz="4000" dirty="0">
+                <a:latin typeface="Arial"/>
+                <a:cs typeface="Arial"/>
+              </a:rPr>
+              <a:t>ServiceNow is a platform-as-a-solution that provides business management software as a service. It specializes in IT services management (ITSM), IT operations management (ITOM) and IT business management (ITBM).</a:t>
+            </a:r>
+          </a:p>
+          <a:p>
+            <a:pPr algn="just"/>
+            <a:endParaRPr lang="en-US" sz="4000" dirty="0">
+              <a:latin typeface="Arial"/>
+              <a:cs typeface="Arial"/>
+            </a:endParaRPr>
+          </a:p>
+          <a:p>
+            <a:pPr algn="just"/>
+            <a:r>
+              <a:rPr lang="en-US" sz="4000" dirty="0">
+                <a:latin typeface="Arial"/>
+                <a:cs typeface="Arial"/>
+              </a:rPr>
+              <a:t>ServiceNow offers Glide, an extensible Web 2.0 platform that facilitates with the development of workflow and form based applications.</a:t>
+            </a:r>
+          </a:p>
+        </p:txBody>
+      </p:sp>
+      <p:grpSp>
+        <p:nvGrpSpPr>
+          <p:cNvPr id="18" name="Group 17">
+            <a:extLst>
+              <a:ext uri="{FF2B5EF4-FFF2-40B4-BE49-F238E27FC236}">
+                <a16:creationId xmlns:a16="http://schemas.microsoft.com/office/drawing/2014/main" id="{4A15D474-427C-4641-81F1-A73B20CFCB9C}"/>
+              </a:ext>
+            </a:extLst>
+          </p:cNvPr>
+          <p:cNvGrpSpPr/>
+          <p:nvPr/>
+        </p:nvGrpSpPr>
+        <p:grpSpPr>
+          <a:xfrm>
+            <a:off x="19426154" y="18212487"/>
+            <a:ext cx="12148021" cy="8279110"/>
+            <a:chOff x="18743532" y="8559425"/>
+            <a:chExt cx="11960427" cy="8151261"/>
+          </a:xfrm>
+        </p:grpSpPr>
+        <p:pic>
+          <p:nvPicPr>
+            <p:cNvPr id="31" name="Picture 30">
+              <a:extLst>
+                <a:ext uri="{FF2B5EF4-FFF2-40B4-BE49-F238E27FC236}">
+                  <a16:creationId xmlns:a16="http://schemas.microsoft.com/office/drawing/2014/main" id="{853A3D99-C03B-4737-9D91-A63E0C9065D6}"/>
+                </a:ext>
+              </a:extLst>
+            </p:cNvPr>
+            <p:cNvPicPr>
+              <a:picLocks noChangeAspect="1"/>
+            </p:cNvPicPr>
+            <p:nvPr/>
+          </p:nvPicPr>
+          <p:blipFill>
+            <a:blip r:embed="rId7">
+              <a:extLst>
+                <a:ext uri="{BEBA8EAE-BF5A-486C-A8C5-ECC9F3942E4B}">
+                  <a14:imgProps xmlns:a14="http://schemas.microsoft.com/office/drawing/2010/main">
+                    <a14:imgLayer r:embed="rId8">
+                      <a14:imgEffect>
+                        <a14:saturation sat="140000"/>
+                      </a14:imgEffect>
+                    </a14:imgLayer>
+                  </a14:imgProps>
+                </a:ext>
+              </a:extLst>
+            </a:blip>
+            <a:stretch>
+              <a:fillRect/>
+            </a:stretch>
+          </p:blipFill>
+          <p:spPr>
+            <a:xfrm>
+              <a:off x="18743532" y="8559425"/>
+              <a:ext cx="11960427" cy="6681973"/>
+            </a:xfrm>
+            <a:prstGeom prst="rect">
+              <a:avLst/>
+            </a:prstGeom>
+            <a:noFill/>
+            <a:ln w="12700">
+              <a:solidFill>
+                <a:schemeClr val="tx1"/>
+              </a:solidFill>
+            </a:ln>
+          </p:spPr>
+        </p:pic>
+        <p:sp>
+          <p:nvSpPr>
+            <p:cNvPr id="33" name="TextBox 32">
+              <a:extLst>
+                <a:ext uri="{FF2B5EF4-FFF2-40B4-BE49-F238E27FC236}">
+                  <a16:creationId xmlns:a16="http://schemas.microsoft.com/office/drawing/2014/main" id="{C4060780-E967-4F4E-94D7-7EC5BEFB2254}"/>
+                </a:ext>
+              </a:extLst>
+            </p:cNvPr>
+            <p:cNvSpPr txBox="1"/>
+            <p:nvPr/>
+          </p:nvSpPr>
+          <p:spPr>
+            <a:xfrm>
+              <a:off x="18743532" y="15695023"/>
+              <a:ext cx="5863058" cy="1015663"/>
+            </a:xfrm>
+            <a:prstGeom prst="rect">
+              <a:avLst/>
+            </a:prstGeom>
+            <a:noFill/>
+            <a:ln w="12700">
+              <a:solidFill>
+                <a:schemeClr val="bg1"/>
+              </a:solidFill>
+            </a:ln>
+          </p:spPr>
+          <p:txBody>
+            <a:bodyPr wrap="square" rtlCol="0">
+              <a:spAutoFit/>
+            </a:bodyPr>
+            <a:lstStyle/>
+            <a:p>
+              <a:r>
+                <a:rPr lang="en-US" sz="6000" b="1" dirty="0"/>
+                <a:t>Service Portal</a:t>
+              </a:r>
+            </a:p>
+          </p:txBody>
+        </p:sp>
+      </p:grpSp>
+      <p:grpSp>
+        <p:nvGrpSpPr>
+          <p:cNvPr id="19" name="Group 18">
+            <a:extLst>
+              <a:ext uri="{FF2B5EF4-FFF2-40B4-BE49-F238E27FC236}">
+                <a16:creationId xmlns:a16="http://schemas.microsoft.com/office/drawing/2014/main" id="{5BD6F080-2D9B-4BEB-A9FA-EE141BE39812}"/>
+              </a:ext>
+            </a:extLst>
+          </p:cNvPr>
+          <p:cNvGrpSpPr/>
+          <p:nvPr/>
+        </p:nvGrpSpPr>
+        <p:grpSpPr>
+          <a:xfrm>
+            <a:off x="6459916" y="19679402"/>
+            <a:ext cx="10175117" cy="4998673"/>
+            <a:chOff x="19460329" y="17310118"/>
+            <a:chExt cx="12899570" cy="6337100"/>
+          </a:xfrm>
+        </p:grpSpPr>
+        <p:pic>
+          <p:nvPicPr>
+            <p:cNvPr id="37" name="Picture 36">
+              <a:extLst>
+                <a:ext uri="{FF2B5EF4-FFF2-40B4-BE49-F238E27FC236}">
+                  <a16:creationId xmlns:a16="http://schemas.microsoft.com/office/drawing/2014/main" id="{3F584584-C63B-48C9-A020-D05960E767E2}"/>
+                </a:ext>
+              </a:extLst>
+            </p:cNvPr>
+            <p:cNvPicPr>
+              <a:picLocks noChangeAspect="1"/>
+            </p:cNvPicPr>
+            <p:nvPr/>
+          </p:nvPicPr>
+          <p:blipFill>
+            <a:blip r:embed="rId9"/>
+            <a:stretch>
+              <a:fillRect/>
+            </a:stretch>
+          </p:blipFill>
+          <p:spPr>
+            <a:xfrm>
+              <a:off x="19460329" y="17310118"/>
+              <a:ext cx="11842008" cy="4595862"/>
+            </a:xfrm>
+            <a:prstGeom prst="rect">
+              <a:avLst/>
+            </a:prstGeom>
+            <a:ln w="12700">
+              <a:solidFill>
+                <a:schemeClr val="tx1"/>
+              </a:solidFill>
+            </a:ln>
+          </p:spPr>
+        </p:pic>
+        <p:sp>
+          <p:nvSpPr>
+            <p:cNvPr id="38" name="TextBox 37">
+              <a:extLst>
+                <a:ext uri="{FF2B5EF4-FFF2-40B4-BE49-F238E27FC236}">
+                  <a16:creationId xmlns:a16="http://schemas.microsoft.com/office/drawing/2014/main" id="{5D63D6A4-8114-4CCC-8F33-05B824B74D9B}"/>
+                </a:ext>
+              </a:extLst>
+            </p:cNvPr>
+            <p:cNvSpPr txBox="1"/>
+            <p:nvPr/>
+          </p:nvSpPr>
+          <p:spPr>
+            <a:xfrm>
+              <a:off x="19460329" y="22359605"/>
+              <a:ext cx="12899570" cy="1287613"/>
+            </a:xfrm>
+            <a:prstGeom prst="rect">
+              <a:avLst/>
+            </a:prstGeom>
+            <a:noFill/>
+            <a:ln w="12700">
+              <a:solidFill>
+                <a:schemeClr val="bg1"/>
+              </a:solidFill>
+            </a:ln>
+          </p:spPr>
+          <p:txBody>
+            <a:bodyPr wrap="square" rtlCol="0">
+              <a:spAutoFit/>
+            </a:bodyPr>
+            <a:lstStyle/>
+            <a:p>
+              <a:r>
+                <a:rPr lang="en-US" sz="6000" b="1" dirty="0"/>
+                <a:t>Vendor Workflow</a:t>
+              </a:r>
+            </a:p>
+          </p:txBody>
+        </p:sp>
+      </p:grpSp>
+      <p:sp>
+        <p:nvSpPr>
+          <p:cNvPr id="39" name="TextBox 38">
+            <a:extLst>
+              <a:ext uri="{FF2B5EF4-FFF2-40B4-BE49-F238E27FC236}">
+                <a16:creationId xmlns:a16="http://schemas.microsoft.com/office/drawing/2014/main" id="{0E933CDB-030D-4F1E-A7A7-3E9C7753E411}"/>
+              </a:ext>
+            </a:extLst>
+          </p:cNvPr>
+          <p:cNvSpPr txBox="1"/>
+          <p:nvPr/>
+        </p:nvSpPr>
+        <p:spPr>
+          <a:xfrm>
+            <a:off x="3152018" y="8500753"/>
+            <a:ext cx="7802164" cy="923330"/>
+          </a:xfrm>
+          <a:prstGeom prst="rect">
+            <a:avLst/>
+          </a:prstGeom>
+          <a:gradFill flip="none" rotWithShape="1">
+            <a:gsLst>
+              <a:gs pos="0">
+                <a:schemeClr val="accent3">
+                  <a:lumMod val="5000"/>
+                  <a:lumOff val="95000"/>
+                  <a:alpha val="0"/>
+                </a:schemeClr>
+              </a:gs>
+              <a:gs pos="74000">
+                <a:schemeClr val="accent3">
+                  <a:lumMod val="45000"/>
+                  <a:lumOff val="55000"/>
+                </a:schemeClr>
+              </a:gs>
+              <a:gs pos="83000">
+                <a:schemeClr val="accent3">
+                  <a:lumMod val="45000"/>
+                  <a:lumOff val="55000"/>
+                </a:schemeClr>
+              </a:gs>
+              <a:gs pos="100000">
+                <a:schemeClr val="accent3">
+                  <a:lumMod val="30000"/>
+                  <a:lumOff val="70000"/>
+                </a:schemeClr>
+              </a:gs>
+            </a:gsLst>
+            <a:path path="circle">
+              <a:fillToRect l="100000" t="100000"/>
+            </a:path>
+            <a:tileRect r="-100000" b="-100000"/>
+          </a:gradFill>
+          <a:effectLst>
+            <a:softEdge rad="114300"/>
+          </a:effectLst>
+        </p:spPr>
+        <p:txBody>
+          <a:bodyPr wrap="square" rtlCol="0">
+            <a:spAutoFit/>
+          </a:bodyPr>
+          <a:lstStyle>
+            <a:defPPr>
+              <a:defRPr lang="en-US"/>
+            </a:defPPr>
+            <a:lvl1pPr>
+              <a:defRPr sz="4000" b="1">
+                <a:latin typeface="Arial"/>
+                <a:cs typeface="Arial"/>
+              </a:defRPr>
+            </a:lvl1pPr>
+          </a:lstStyle>
+          <a:p>
+            <a:pPr algn="just"/>
+            <a:r>
+              <a:rPr lang="en-US" sz="5400" dirty="0">
+                <a:ln w="22225">
+                  <a:solidFill>
+                    <a:schemeClr val="bg2">
+                      <a:lumMod val="90000"/>
+                    </a:schemeClr>
+                  </a:solidFill>
+                  <a:prstDash val="solid"/>
+                </a:ln>
+              </a:rPr>
+              <a:t> Vendor Management</a:t>
+            </a:r>
+          </a:p>
+        </p:txBody>
+      </p:sp>
+      <p:grpSp>
+        <p:nvGrpSpPr>
+          <p:cNvPr id="24" name="Group 23">
+            <a:extLst>
+              <a:ext uri="{FF2B5EF4-FFF2-40B4-BE49-F238E27FC236}">
+                <a16:creationId xmlns:a16="http://schemas.microsoft.com/office/drawing/2014/main" id="{E86A6F71-A42C-41B9-A0E0-17105A33BAF8}"/>
+              </a:ext>
+            </a:extLst>
+          </p:cNvPr>
+          <p:cNvGrpSpPr/>
+          <p:nvPr/>
+        </p:nvGrpSpPr>
+        <p:grpSpPr>
+          <a:xfrm>
+            <a:off x="21221699" y="12075659"/>
+            <a:ext cx="10352475" cy="5064809"/>
+            <a:chOff x="7893522" y="17613519"/>
+            <a:chExt cx="11389742" cy="5572278"/>
+          </a:xfrm>
+        </p:grpSpPr>
+        <p:pic>
+          <p:nvPicPr>
+            <p:cNvPr id="41" name="Picture 40">
+              <a:extLst>
+                <a:ext uri="{FF2B5EF4-FFF2-40B4-BE49-F238E27FC236}">
+                  <a16:creationId xmlns:a16="http://schemas.microsoft.com/office/drawing/2014/main" id="{61A769F0-6BBB-473C-8264-3DA23DB4A5AC}"/>
+                </a:ext>
+              </a:extLst>
+            </p:cNvPr>
+            <p:cNvPicPr>
+              <a:picLocks noChangeAspect="1"/>
+            </p:cNvPicPr>
+            <p:nvPr/>
+          </p:nvPicPr>
+          <p:blipFill>
+            <a:blip r:embed="rId10"/>
+            <a:stretch>
+              <a:fillRect/>
+            </a:stretch>
+          </p:blipFill>
+          <p:spPr>
+            <a:xfrm>
+              <a:off x="7893522" y="17613519"/>
+              <a:ext cx="11389742" cy="4292461"/>
+            </a:xfrm>
+            <a:prstGeom prst="rect">
+              <a:avLst/>
+            </a:prstGeom>
+            <a:ln w="12700">
+              <a:solidFill>
+                <a:schemeClr val="tx1"/>
+              </a:solidFill>
+            </a:ln>
+          </p:spPr>
+        </p:pic>
+        <p:sp>
+          <p:nvSpPr>
+            <p:cNvPr id="42" name="TextBox 41">
+              <a:extLst>
+                <a:ext uri="{FF2B5EF4-FFF2-40B4-BE49-F238E27FC236}">
+                  <a16:creationId xmlns:a16="http://schemas.microsoft.com/office/drawing/2014/main" id="{D568B740-40EF-4658-B020-53EECB076DF8}"/>
+                </a:ext>
+              </a:extLst>
+            </p:cNvPr>
+            <p:cNvSpPr txBox="1"/>
+            <p:nvPr/>
+          </p:nvSpPr>
+          <p:spPr>
+            <a:xfrm>
+              <a:off x="7893522" y="22359605"/>
+              <a:ext cx="10493172" cy="826192"/>
+            </a:xfrm>
+            <a:prstGeom prst="rect">
+              <a:avLst/>
+            </a:prstGeom>
+            <a:noFill/>
+            <a:ln w="12700">
+              <a:solidFill>
+                <a:schemeClr val="bg1"/>
+              </a:solidFill>
+            </a:ln>
+          </p:spPr>
+          <p:txBody>
+            <a:bodyPr wrap="square" rtlCol="0">
+              <a:spAutoFit/>
+            </a:bodyPr>
+            <a:lstStyle/>
+            <a:p>
+              <a:r>
+                <a:rPr lang="en-US" sz="6000" b="1" dirty="0"/>
+                <a:t>Service Management </a:t>
+              </a:r>
+            </a:p>
+          </p:txBody>
+        </p:sp>
+      </p:grpSp>
+      <p:graphicFrame>
+        <p:nvGraphicFramePr>
+          <p:cNvPr id="2" name="Object 1">
+            <a:extLst>
+              <a:ext uri="{FF2B5EF4-FFF2-40B4-BE49-F238E27FC236}">
+                <a16:creationId xmlns:a16="http://schemas.microsoft.com/office/drawing/2014/main" id="{486C216D-EB33-4C0C-9667-07F3223EB365}"/>
+              </a:ext>
+            </a:extLst>
+          </p:cNvPr>
+          <p:cNvGraphicFramePr>
+            <a:graphicFrameLocks noChangeAspect="1"/>
+          </p:cNvGraphicFramePr>
+          <p:nvPr>
+            <p:extLst>
+              <p:ext uri="{D42A27DB-BD31-4B8C-83A1-F6EECF244321}">
+                <p14:modId xmlns:p14="http://schemas.microsoft.com/office/powerpoint/2010/main" val="3402068567"/>
+              </p:ext>
+            </p:extLst>
+          </p:nvPr>
+        </p:nvGraphicFramePr>
+        <p:xfrm>
+          <a:off x="98425" y="98425"/>
+          <a:ext cx="11449050" cy="685800"/>
+        </p:xfrm>
+        <a:graphic>
+          <a:graphicData uri="http://schemas.openxmlformats.org/presentationml/2006/ole">
+            <mc:AlternateContent xmlns:mc="http://schemas.openxmlformats.org/markup-compatibility/2006">
+              <mc:Choice xmlns:v="urn:schemas-microsoft-com:vml" Requires="v">
+                <p:oleObj spid="_x0000_s1032" name="Packager Shell Object" showAsIcon="1" r:id="rId11" imgW="11449800" imgH="685800" progId="Package">
+                  <p:embed/>
+                </p:oleObj>
+              </mc:Choice>
+              <mc:Fallback>
+                <p:oleObj name="Packager Shell Object" showAsIcon="1" r:id="rId11" imgW="11449800" imgH="685800" progId="Package">
+                  <p:embed/>
+                  <p:pic>
+                    <p:nvPicPr>
+                      <p:cNvPr id="0" name=""/>
+                      <p:cNvPicPr/>
+                      <p:nvPr/>
+                    </p:nvPicPr>
+                    <p:blipFill>
+                      <a:blip r:embed="rId12"/>
+                      <a:stretch>
+                        <a:fillRect/>
+                      </a:stretch>
+                    </p:blipFill>
+                    <p:spPr>
+                      <a:xfrm>
+                        <a:off x="98425" y="98425"/>
+                        <a:ext cx="11449050" cy="685800"/>
+                      </a:xfrm>
+                      <a:prstGeom prst="rect">
+                        <a:avLst/>
+                      </a:prstGeom>
+                    </p:spPr>
+                  </p:pic>
+                </p:oleObj>
+              </mc:Fallback>
+            </mc:AlternateContent>
+          </a:graphicData>
+        </a:graphic>
+      </p:graphicFrame>
+      <p:grpSp>
+        <p:nvGrpSpPr>
+          <p:cNvPr id="26" name="Group 25">
+            <a:extLst>
+              <a:ext uri="{FF2B5EF4-FFF2-40B4-BE49-F238E27FC236}">
+                <a16:creationId xmlns:a16="http://schemas.microsoft.com/office/drawing/2014/main" id="{EF180E28-EA9D-43AA-AA4D-0150FFD7A32B}"/>
+              </a:ext>
+            </a:extLst>
+          </p:cNvPr>
+          <p:cNvGrpSpPr/>
+          <p:nvPr/>
+        </p:nvGrpSpPr>
+        <p:grpSpPr>
+          <a:xfrm>
+            <a:off x="32422252" y="18888146"/>
+            <a:ext cx="8030162" cy="6035667"/>
+            <a:chOff x="32206728" y="16456675"/>
+            <a:chExt cx="8030162" cy="6035667"/>
+          </a:xfrm>
+        </p:grpSpPr>
+        <p:pic>
+          <p:nvPicPr>
+            <p:cNvPr id="23" name="Graphic 22">
+              <a:extLst>
+                <a:ext uri="{FF2B5EF4-FFF2-40B4-BE49-F238E27FC236}">
+                  <a16:creationId xmlns:a16="http://schemas.microsoft.com/office/drawing/2014/main" id="{2169B7C0-19AF-43C7-95B4-EBBCD59DEDAF}"/>
+                </a:ext>
+              </a:extLst>
+            </p:cNvPr>
+            <p:cNvPicPr>
+              <a:picLocks noChangeAspect="1"/>
+            </p:cNvPicPr>
+            <p:nvPr/>
+          </p:nvPicPr>
+          <p:blipFill>
+            <a:blip r:embed="rId13">
+              <a:extLst>
+                <a:ext uri="{96DAC541-7B7A-43D3-8B79-37D633B846F1}">
+                  <asvg:svgBlip xmlns:asvg="http://schemas.microsoft.com/office/drawing/2016/SVG/main" r:embed="rId14"/>
+                </a:ext>
+              </a:extLst>
+            </a:blip>
+            <a:stretch>
+              <a:fillRect/>
+            </a:stretch>
+          </p:blipFill>
+          <p:spPr>
+            <a:xfrm>
+              <a:off x="36664648" y="19863666"/>
+              <a:ext cx="2491985" cy="2628676"/>
+            </a:xfrm>
+            <a:prstGeom prst="rect">
+              <a:avLst/>
+            </a:prstGeom>
+          </p:spPr>
+        </p:pic>
+        <p:pic>
+          <p:nvPicPr>
+            <p:cNvPr id="25" name="Graphic 24">
+              <a:extLst>
+                <a:ext uri="{FF2B5EF4-FFF2-40B4-BE49-F238E27FC236}">
+                  <a16:creationId xmlns:a16="http://schemas.microsoft.com/office/drawing/2014/main" id="{2C27B919-18FF-4F6E-8EE4-536EA89D21E5}"/>
+                </a:ext>
+              </a:extLst>
+            </p:cNvPr>
+            <p:cNvPicPr>
+              <a:picLocks noChangeAspect="1"/>
+            </p:cNvPicPr>
+            <p:nvPr/>
+          </p:nvPicPr>
+          <p:blipFill>
+            <a:blip r:embed="rId15">
+              <a:extLst>
+                <a:ext uri="{96DAC541-7B7A-43D3-8B79-37D633B846F1}">
+                  <asvg:svgBlip xmlns:asvg="http://schemas.microsoft.com/office/drawing/2016/SVG/main" r:embed="rId16"/>
+                </a:ext>
+              </a:extLst>
+            </a:blip>
+            <a:stretch>
+              <a:fillRect/>
+            </a:stretch>
+          </p:blipFill>
+          <p:spPr>
+            <a:xfrm>
+              <a:off x="32359899" y="16853105"/>
+              <a:ext cx="2209184" cy="2218021"/>
+            </a:xfrm>
+            <a:prstGeom prst="rect">
+              <a:avLst/>
+            </a:prstGeom>
+          </p:spPr>
+        </p:pic>
+        <p:pic>
+          <p:nvPicPr>
+            <p:cNvPr id="29" name="Picture 28">
+              <a:extLst>
+                <a:ext uri="{FF2B5EF4-FFF2-40B4-BE49-F238E27FC236}">
+                  <a16:creationId xmlns:a16="http://schemas.microsoft.com/office/drawing/2014/main" id="{AFAAB3B3-92C0-42EF-A781-9C26B8FE932F}"/>
+                </a:ext>
+              </a:extLst>
+            </p:cNvPr>
+            <p:cNvPicPr>
+              <a:picLocks noChangeAspect="1"/>
+            </p:cNvPicPr>
+            <p:nvPr/>
+          </p:nvPicPr>
+          <p:blipFill>
+            <a:blip r:embed="rId17"/>
+            <a:stretch>
+              <a:fillRect/>
+            </a:stretch>
+          </p:blipFill>
+          <p:spPr>
+            <a:xfrm>
+              <a:off x="35098322" y="16456675"/>
+              <a:ext cx="5138568" cy="3010879"/>
+            </a:xfrm>
+            <a:prstGeom prst="rect">
+              <a:avLst/>
+            </a:prstGeom>
+          </p:spPr>
+        </p:pic>
+        <p:pic>
+          <p:nvPicPr>
+            <p:cNvPr id="6" name="Picture 5">
+              <a:extLst>
+                <a:ext uri="{FF2B5EF4-FFF2-40B4-BE49-F238E27FC236}">
+                  <a16:creationId xmlns:a16="http://schemas.microsoft.com/office/drawing/2014/main" id="{3817B49E-2C9A-4655-AF8A-9CFD1730C2F1}"/>
+                </a:ext>
+              </a:extLst>
+            </p:cNvPr>
+            <p:cNvPicPr>
+              <a:picLocks noChangeAspect="1"/>
+            </p:cNvPicPr>
+            <p:nvPr/>
+          </p:nvPicPr>
+          <p:blipFill>
+            <a:blip r:embed="rId18"/>
+            <a:stretch>
+              <a:fillRect/>
+            </a:stretch>
+          </p:blipFill>
+          <p:spPr>
+            <a:xfrm>
+              <a:off x="32206728" y="20225504"/>
+              <a:ext cx="3790950" cy="1905000"/>
+            </a:xfrm>
+            <a:prstGeom prst="rect">
+              <a:avLst/>
+            </a:prstGeom>
+          </p:spPr>
+        </p:pic>
+      </p:grpSp>
+      <p:sp>
+        <p:nvSpPr>
+          <p:cNvPr id="36" name="TextBox 35">
+            <a:extLst>
+              <a:ext uri="{FF2B5EF4-FFF2-40B4-BE49-F238E27FC236}">
+                <a16:creationId xmlns:a16="http://schemas.microsoft.com/office/drawing/2014/main" id="{0D15E073-9A24-4C74-8306-A757A816B34B}"/>
+              </a:ext>
+            </a:extLst>
+          </p:cNvPr>
+          <p:cNvSpPr txBox="1"/>
+          <p:nvPr/>
+        </p:nvSpPr>
+        <p:spPr>
+          <a:xfrm>
+            <a:off x="32206728" y="8500753"/>
+            <a:ext cx="7802164" cy="923330"/>
+          </a:xfrm>
+          <a:prstGeom prst="rect">
+            <a:avLst/>
+          </a:prstGeom>
+          <a:gradFill flip="none" rotWithShape="1">
+            <a:gsLst>
+              <a:gs pos="0">
+                <a:schemeClr val="accent3">
+                  <a:lumMod val="5000"/>
+                  <a:lumOff val="95000"/>
+                  <a:alpha val="0"/>
+                </a:schemeClr>
+              </a:gs>
+              <a:gs pos="74000">
+                <a:schemeClr val="accent3">
+                  <a:lumMod val="45000"/>
+                  <a:lumOff val="55000"/>
+                </a:schemeClr>
+              </a:gs>
+              <a:gs pos="83000">
+                <a:schemeClr val="accent3">
+                  <a:lumMod val="45000"/>
+                  <a:lumOff val="55000"/>
+                </a:schemeClr>
+              </a:gs>
+              <a:gs pos="100000">
+                <a:schemeClr val="accent3">
+                  <a:lumMod val="30000"/>
+                  <a:lumOff val="70000"/>
+                </a:schemeClr>
+              </a:gs>
+            </a:gsLst>
+            <a:path path="circle">
+              <a:fillToRect l="100000" t="100000"/>
+            </a:path>
+            <a:tileRect r="-100000" b="-100000"/>
+          </a:gradFill>
+          <a:effectLst>
+            <a:softEdge rad="114300"/>
+          </a:effectLst>
+        </p:spPr>
+        <p:txBody>
+          <a:bodyPr wrap="square" rtlCol="0">
+            <a:spAutoFit/>
+          </a:bodyPr>
+          <a:lstStyle>
+            <a:defPPr>
+              <a:defRPr lang="en-US"/>
+            </a:defPPr>
+            <a:lvl1pPr>
+              <a:defRPr sz="4000" b="1">
+                <a:latin typeface="Arial"/>
+                <a:cs typeface="Arial"/>
+              </a:defRPr>
+            </a:lvl1pPr>
+          </a:lstStyle>
+          <a:p>
+            <a:pPr algn="just"/>
+            <a:r>
+              <a:rPr lang="en-US" sz="5400" dirty="0">
+                <a:ln w="22225">
+                  <a:solidFill>
+                    <a:schemeClr val="bg2">
+                      <a:lumMod val="90000"/>
+                    </a:schemeClr>
+                  </a:solidFill>
+                  <a:prstDash val="solid"/>
+                </a:ln>
+              </a:rPr>
+              <a:t> Technologies</a:t>
+            </a:r>
+          </a:p>
+        </p:txBody>
+      </p:sp>
+      <p:sp>
+        <p:nvSpPr>
+          <p:cNvPr id="27" name="TextBox 26">
+            <a:extLst>
+              <a:ext uri="{FF2B5EF4-FFF2-40B4-BE49-F238E27FC236}">
+                <a16:creationId xmlns:a16="http://schemas.microsoft.com/office/drawing/2014/main" id="{DD7840DD-C7D2-4608-AE48-ADF3C52888BA}"/>
+              </a:ext>
+            </a:extLst>
+          </p:cNvPr>
+          <p:cNvSpPr txBox="1"/>
+          <p:nvPr/>
+        </p:nvSpPr>
+        <p:spPr>
+          <a:xfrm>
+            <a:off x="3152019" y="9424083"/>
+            <a:ext cx="8519282" cy="9264075"/>
+          </a:xfrm>
+          <a:prstGeom prst="rect">
+            <a:avLst/>
+          </a:prstGeom>
+          <a:noFill/>
+        </p:spPr>
+        <p:txBody>
+          <a:bodyPr wrap="square" rtlCol="0">
+            <a:spAutoFit/>
+          </a:bodyPr>
+          <a:lstStyle/>
+          <a:p>
+            <a:pPr marL="571500" indent="-571500" algn="just">
+              <a:buFont typeface="Wingdings" panose="05000000000000000000" pitchFamily="2" charset="2"/>
+              <a:buChar char="Ø"/>
+            </a:pPr>
+            <a:r>
+              <a:rPr lang="en-US" sz="4400" dirty="0">
+                <a:ln w="0"/>
+                <a:effectLst>
+                  <a:outerShdw blurRad="38100" dist="19050" dir="2700000" algn="tl" rotWithShape="0">
+                    <a:schemeClr val="dk1">
+                      <a:alpha val="40000"/>
+                    </a:schemeClr>
+                  </a:outerShdw>
+                </a:effectLst>
+                <a:latin typeface="Arial" panose="020B0604020202020204" pitchFamily="34" charset="0"/>
+                <a:cs typeface="Arial" panose="020B0604020202020204" pitchFamily="34" charset="0"/>
+              </a:rPr>
+              <a:t>What it is</a:t>
+            </a:r>
+            <a:endParaRPr lang="en-US" sz="4000" dirty="0">
+              <a:ln w="0"/>
+              <a:effectLst>
+                <a:outerShdw blurRad="38100" dist="19050" dir="2700000" algn="tl" rotWithShape="0">
+                  <a:schemeClr val="dk1">
+                    <a:alpha val="40000"/>
+                  </a:schemeClr>
+                </a:outerShdw>
+              </a:effectLst>
+              <a:latin typeface="Arial"/>
+              <a:cs typeface="Arial"/>
+            </a:endParaRPr>
+          </a:p>
+          <a:p>
+            <a:pPr algn="just"/>
+            <a:r>
+              <a:rPr lang="en-US" sz="4000" dirty="0">
+                <a:latin typeface="Arial"/>
+                <a:cs typeface="Arial"/>
+              </a:rPr>
+              <a:t>Businesses will often work with other companies for products or services. This introduces tons of paperwork.</a:t>
+            </a:r>
+          </a:p>
+          <a:p>
+            <a:pPr algn="just"/>
+            <a:endParaRPr lang="en-US" sz="1200" dirty="0">
+              <a:ln w="0"/>
+              <a:latin typeface="Arial" panose="020B0604020202020204" pitchFamily="34" charset="0"/>
+              <a:cs typeface="Arial" panose="020B0604020202020204" pitchFamily="34" charset="0"/>
+            </a:endParaRPr>
+          </a:p>
+          <a:p>
+            <a:pPr marL="571500" indent="-571500" algn="just">
+              <a:buFont typeface="Wingdings" panose="05000000000000000000" pitchFamily="2" charset="2"/>
+              <a:buChar char="Ø"/>
+            </a:pPr>
+            <a:r>
+              <a:rPr lang="en-US" sz="4400" dirty="0">
+                <a:ln w="0"/>
+                <a:effectLst>
+                  <a:outerShdw blurRad="38100" dist="19050" dir="2700000" algn="tl" rotWithShape="0">
+                    <a:schemeClr val="dk1">
+                      <a:alpha val="40000"/>
+                    </a:schemeClr>
+                  </a:outerShdw>
+                </a:effectLst>
+                <a:latin typeface="Arial" panose="020B0604020202020204" pitchFamily="34" charset="0"/>
+                <a:cs typeface="Arial" panose="020B0604020202020204" pitchFamily="34" charset="0"/>
+              </a:rPr>
+              <a:t>What should be done</a:t>
+            </a:r>
+          </a:p>
+          <a:p>
+            <a:pPr algn="just"/>
+            <a:r>
+              <a:rPr lang="en-US" sz="4000" dirty="0">
+                <a:latin typeface="Arial"/>
+                <a:cs typeface="Arial"/>
+              </a:rPr>
+              <a:t>There needs to be a streamlined solution to minimize the time wasted on managing and maximize the time spent on working.</a:t>
+            </a:r>
+          </a:p>
+          <a:p>
+            <a:pPr algn="just"/>
+            <a:endParaRPr lang="en-US" sz="1200" dirty="0">
+              <a:latin typeface="Arial"/>
+              <a:cs typeface="Arial"/>
+            </a:endParaRPr>
+          </a:p>
+          <a:p>
+            <a:pPr marL="571500" indent="-571500" algn="just">
+              <a:buFont typeface="Wingdings" panose="05000000000000000000" pitchFamily="2" charset="2"/>
+              <a:buChar char="Ø"/>
+            </a:pPr>
+            <a:r>
+              <a:rPr lang="en-US" sz="4400" dirty="0">
+                <a:ln w="0"/>
+                <a:effectLst>
+                  <a:outerShdw blurRad="38100" dist="19050" dir="2700000" algn="tl" rotWithShape="0">
+                    <a:schemeClr val="dk1">
+                      <a:alpha val="40000"/>
+                    </a:schemeClr>
+                  </a:outerShdw>
+                </a:effectLst>
+                <a:latin typeface="Arial" panose="020B0604020202020204" pitchFamily="34" charset="0"/>
+                <a:cs typeface="Arial" panose="020B0604020202020204" pitchFamily="34" charset="0"/>
+              </a:rPr>
+              <a:t>Requirements</a:t>
+            </a:r>
+            <a:endParaRPr lang="en-US" sz="4000" dirty="0">
+              <a:ln w="0"/>
+              <a:effectLst>
+                <a:outerShdw blurRad="38100" dist="19050" dir="2700000" algn="tl" rotWithShape="0">
+                  <a:schemeClr val="dk1">
+                    <a:alpha val="40000"/>
+                  </a:schemeClr>
+                </a:outerShdw>
+              </a:effectLst>
+              <a:latin typeface="Arial"/>
+              <a:cs typeface="Arial"/>
+            </a:endParaRPr>
+          </a:p>
+          <a:p>
+            <a:pPr algn="just"/>
+            <a:r>
+              <a:rPr lang="en-US" sz="4000" dirty="0">
+                <a:latin typeface="Arial"/>
+                <a:cs typeface="Arial"/>
+              </a:rPr>
+              <a:t>The solution must satisfy the needs for all three stakeholders: business, vendor manager, and vendors.</a:t>
+            </a:r>
+          </a:p>
+          <a:p>
+            <a:pPr algn="just"/>
+            <a:endParaRPr lang="en-US" sz="4000" dirty="0">
+              <a:latin typeface="Arial"/>
+              <a:cs typeface="Arial"/>
+            </a:endParaRPr>
+          </a:p>
+        </p:txBody>
+      </p:sp>
+      <p:sp>
+        <p:nvSpPr>
+          <p:cNvPr id="34" name="TextBox 33">
+            <a:extLst>
+              <a:ext uri="{FF2B5EF4-FFF2-40B4-BE49-F238E27FC236}">
+                <a16:creationId xmlns:a16="http://schemas.microsoft.com/office/drawing/2014/main" id="{3B4B4FE9-02FB-4AFC-9C60-25E94D1A5845}"/>
+              </a:ext>
+            </a:extLst>
+          </p:cNvPr>
+          <p:cNvSpPr txBox="1"/>
+          <p:nvPr/>
+        </p:nvSpPr>
+        <p:spPr>
+          <a:xfrm>
+            <a:off x="12101292" y="8503802"/>
+            <a:ext cx="8018714" cy="923330"/>
+          </a:xfrm>
+          <a:prstGeom prst="rect">
+            <a:avLst/>
+          </a:prstGeom>
+          <a:gradFill flip="none" rotWithShape="1">
+            <a:gsLst>
+              <a:gs pos="0">
+                <a:schemeClr val="accent3">
+                  <a:lumMod val="5000"/>
+                  <a:lumOff val="95000"/>
+                  <a:alpha val="0"/>
+                </a:schemeClr>
+              </a:gs>
+              <a:gs pos="74000">
+                <a:schemeClr val="accent3">
+                  <a:lumMod val="45000"/>
+                  <a:lumOff val="55000"/>
+                </a:schemeClr>
+              </a:gs>
+              <a:gs pos="83000">
+                <a:schemeClr val="accent3">
+                  <a:lumMod val="45000"/>
+                  <a:lumOff val="55000"/>
+                </a:schemeClr>
+              </a:gs>
+              <a:gs pos="100000">
+                <a:schemeClr val="accent3">
+                  <a:lumMod val="30000"/>
+                  <a:lumOff val="70000"/>
+                </a:schemeClr>
+              </a:gs>
+            </a:gsLst>
+            <a:path path="circle">
+              <a:fillToRect l="100000" t="100000"/>
+            </a:path>
+            <a:tileRect r="-100000" b="-100000"/>
+          </a:gradFill>
+          <a:effectLst>
+            <a:softEdge rad="114300"/>
+          </a:effectLst>
+        </p:spPr>
+        <p:txBody>
+          <a:bodyPr wrap="square" rtlCol="0">
+            <a:spAutoFit/>
+          </a:bodyPr>
+          <a:lstStyle>
+            <a:defPPr>
+              <a:defRPr lang="en-US"/>
+            </a:defPPr>
+            <a:lvl1pPr>
+              <a:defRPr sz="4000" b="1">
+                <a:latin typeface="Arial"/>
+                <a:cs typeface="Arial"/>
+              </a:defRPr>
+            </a:lvl1pPr>
+          </a:lstStyle>
+          <a:p>
+            <a:pPr algn="just"/>
+            <a:r>
+              <a:rPr lang="en-US" sz="5400" dirty="0">
+                <a:ln w="22225">
+                  <a:solidFill>
+                    <a:schemeClr val="bg2">
+                      <a:lumMod val="90000"/>
+                    </a:schemeClr>
+                  </a:solidFill>
+                  <a:prstDash val="solid"/>
+                </a:ln>
+              </a:rPr>
+              <a:t> Solution</a:t>
+            </a:r>
+          </a:p>
+        </p:txBody>
+      </p:sp>
+      <p:sp>
+        <p:nvSpPr>
+          <p:cNvPr id="35" name="TextBox 34">
+            <a:extLst>
+              <a:ext uri="{FF2B5EF4-FFF2-40B4-BE49-F238E27FC236}">
+                <a16:creationId xmlns:a16="http://schemas.microsoft.com/office/drawing/2014/main" id="{F86D0598-124F-4AD2-A096-45CECFB77994}"/>
+              </a:ext>
+            </a:extLst>
+          </p:cNvPr>
+          <p:cNvSpPr txBox="1"/>
+          <p:nvPr/>
+        </p:nvSpPr>
+        <p:spPr>
+          <a:xfrm>
+            <a:off x="12101293" y="9427132"/>
+            <a:ext cx="8755736" cy="9079409"/>
+          </a:xfrm>
+          <a:prstGeom prst="rect">
+            <a:avLst/>
+          </a:prstGeom>
+          <a:noFill/>
+        </p:spPr>
+        <p:txBody>
+          <a:bodyPr wrap="square" rtlCol="0">
+            <a:spAutoFit/>
+          </a:bodyPr>
+          <a:lstStyle/>
+          <a:p>
+            <a:pPr marL="571500" indent="-571500" algn="just">
+              <a:buFont typeface="Wingdings" panose="05000000000000000000" pitchFamily="2" charset="2"/>
+              <a:buChar char="Ø"/>
+            </a:pPr>
+            <a:r>
+              <a:rPr lang="en-US" sz="4400" dirty="0">
+                <a:ln w="0"/>
+                <a:effectLst>
+                  <a:outerShdw blurRad="38100" dist="19050" dir="2700000" algn="tl" rotWithShape="0">
+                    <a:schemeClr val="dk1">
+                      <a:alpha val="40000"/>
+                    </a:schemeClr>
+                  </a:outerShdw>
+                </a:effectLst>
+                <a:latin typeface="Arial" panose="020B0604020202020204" pitchFamily="34" charset="0"/>
+                <a:cs typeface="Arial" panose="020B0604020202020204" pitchFamily="34" charset="0"/>
+              </a:rPr>
+              <a:t>ServiceNow Application</a:t>
+            </a:r>
+          </a:p>
+          <a:p>
+            <a:pPr algn="just"/>
+            <a:r>
+              <a:rPr lang="en-US" sz="4000" b="1" dirty="0">
+                <a:latin typeface="Arial"/>
+                <a:cs typeface="Arial"/>
+              </a:rPr>
+              <a:t>Service Portal</a:t>
+            </a:r>
+            <a:r>
+              <a:rPr lang="en-US" sz="4000" dirty="0">
+                <a:latin typeface="Arial"/>
+                <a:cs typeface="Arial"/>
+              </a:rPr>
+              <a:t>: Front end for vendors to apply for jobs, complete profiles, search relevant information, etc.</a:t>
+            </a:r>
+          </a:p>
+          <a:p>
+            <a:pPr algn="just"/>
+            <a:r>
+              <a:rPr lang="en-US" sz="4000" b="1" dirty="0">
+                <a:latin typeface="Arial"/>
+                <a:cs typeface="Arial"/>
+              </a:rPr>
+              <a:t>Service Management</a:t>
+            </a:r>
+            <a:r>
+              <a:rPr lang="en-US" sz="4000" dirty="0">
+                <a:latin typeface="Arial"/>
+                <a:cs typeface="Arial"/>
+              </a:rPr>
+              <a:t>: Back end for vendor managers and the business to organize and analyze vendors, post new contracts, etc.</a:t>
+            </a:r>
+          </a:p>
+          <a:p>
+            <a:pPr algn="just"/>
+            <a:endParaRPr lang="en-US" sz="1200" dirty="0">
+              <a:latin typeface="Arial"/>
+              <a:cs typeface="Arial"/>
+            </a:endParaRPr>
+          </a:p>
+          <a:p>
+            <a:pPr marL="571500" indent="-571500" algn="just">
+              <a:buFont typeface="Wingdings" panose="05000000000000000000" pitchFamily="2" charset="2"/>
+              <a:buChar char="Ø"/>
+            </a:pPr>
+            <a:r>
+              <a:rPr lang="en-US" sz="4400" dirty="0">
+                <a:ln w="0"/>
+                <a:effectLst>
+                  <a:outerShdw blurRad="38100" dist="19050" dir="2700000" algn="tl" rotWithShape="0">
+                    <a:schemeClr val="dk1">
+                      <a:alpha val="40000"/>
+                    </a:schemeClr>
+                  </a:outerShdw>
+                </a:effectLst>
+                <a:latin typeface="Arial" panose="020B0604020202020204" pitchFamily="34" charset="0"/>
+                <a:cs typeface="Arial" panose="020B0604020202020204" pitchFamily="34" charset="0"/>
+              </a:rPr>
+              <a:t>Workflow</a:t>
+            </a:r>
+            <a:endParaRPr lang="en-US" sz="4000" dirty="0">
+              <a:ln w="0"/>
+              <a:effectLst>
+                <a:outerShdw blurRad="38100" dist="19050" dir="2700000" algn="tl" rotWithShape="0">
+                  <a:schemeClr val="dk1">
+                    <a:alpha val="40000"/>
+                  </a:schemeClr>
+                </a:outerShdw>
+              </a:effectLst>
+              <a:latin typeface="Arial"/>
+              <a:cs typeface="Arial"/>
+            </a:endParaRPr>
+          </a:p>
+          <a:p>
+            <a:pPr algn="just"/>
+            <a:r>
+              <a:rPr lang="en-US" sz="4000" dirty="0">
+                <a:latin typeface="Arial"/>
+                <a:cs typeface="Arial"/>
+              </a:rPr>
+              <a:t>The application is based on workflows created in ServiceNow. Activities such as scripts, record generation, and user notification are automated under the workflow.</a:t>
             </a:r>
           </a:p>
         </p:txBody>
@@ -1320,4 +2648,299 @@
     </a:ext>
   </a:extLst>
 </a:theme>
+</file>
+
+<file path=ppt/theme/theme2.xml><?xml version="1.0" encoding="utf-8"?>
+<a:theme xmlns:a="http://schemas.openxmlformats.org/drawingml/2006/main" name="Office Theme">
+  <a:themeElements>
+    <a:clrScheme name="Office">
+      <a:dk1>
+        <a:sysClr val="windowText" lastClr="000000"/>
+      </a:dk1>
+      <a:lt1>
+        <a:sysClr val="window" lastClr="FFFFFF"/>
+      </a:lt1>
+      <a:dk2>
+        <a:srgbClr val="44546A"/>
+      </a:dk2>
+      <a:lt2>
+        <a:srgbClr val="E7E6E6"/>
+      </a:lt2>
+      <a:accent1>
+        <a:srgbClr val="4472C4"/>
+      </a:accent1>
+      <a:accent2>
+        <a:srgbClr val="ED7D31"/>
+      </a:accent2>
+      <a:accent3>
+        <a:srgbClr val="A5A5A5"/>
+      </a:accent3>
+      <a:accent4>
+        <a:srgbClr val="FFC000"/>
+      </a:accent4>
+      <a:accent5>
+        <a:srgbClr val="5B9BD5"/>
+      </a:accent5>
+      <a:accent6>
+        <a:srgbClr val="70AD47"/>
+      </a:accent6>
+      <a:hlink>
+        <a:srgbClr val="0563C1"/>
+      </a:hlink>
+      <a:folHlink>
+        <a:srgbClr val="954F72"/>
+      </a:folHlink>
+    </a:clrScheme>
+    <a:fontScheme name="Office">
+      <a:majorFont>
+        <a:latin typeface="Calibri Light" panose="020F0302020204030204"/>
+        <a:ea typeface=""/>
+        <a:cs typeface=""/>
+        <a:font script="Jpan" typeface="游ゴシック Light"/>
+        <a:font script="Hang" typeface="맑은 고딕"/>
+        <a:font script="Hans" typeface="等线 Light"/>
+        <a:font script="Hant" typeface="新細明體"/>
+        <a:font script="Arab" typeface="Times New Roman"/>
+        <a:font script="Hebr" typeface="Times New Roman"/>
+        <a:font script="Thai" typeface="Angsana New"/>
+        <a:font script="Ethi" typeface="Nyala"/>
+        <a:font script="Beng" typeface="Vrinda"/>
+        <a:font script="Gujr" typeface="Shruti"/>
+        <a:font script="Khmr" typeface="MoolBoran"/>
+        <a:font script="Knda" typeface="Tunga"/>
+        <a:font script="Guru" typeface="Raavi"/>
+        <a:font script="Cans" typeface="Euphemia"/>
+        <a:font script="Cher" typeface="Plantagenet Cherokee"/>
+        <a:font script="Yiii" typeface="Microsoft Yi Baiti"/>
+        <a:font script="Tibt" typeface="Microsoft Himalaya"/>
+        <a:font script="Thaa" typeface="MV Boli"/>
+        <a:font script="Deva" typeface="Mangal"/>
+        <a:font script="Telu" typeface="Gautami"/>
+        <a:font script="Taml" typeface="Latha"/>
+        <a:font script="Syrc" typeface="Estrangelo Edessa"/>
+        <a:font script="Orya" typeface="Kalinga"/>
+        <a:font script="Mlym" typeface="Kartika"/>
+        <a:font script="Laoo" typeface="DokChampa"/>
+        <a:font script="Sinh" typeface="Iskoola Pota"/>
+        <a:font script="Mong" typeface="Mongolian Baiti"/>
+        <a:font script="Viet" typeface="Times New Roman"/>
+        <a:font script="Uigh" typeface="Microsoft Uighur"/>
+        <a:font script="Geor" typeface="Sylfaen"/>
+        <a:font script="Armn" typeface="Arial"/>
+        <a:font script="Bugi" typeface="Leelawadee UI"/>
+        <a:font script="Bopo" typeface="Microsoft JhengHei"/>
+        <a:font script="Java" typeface="Javanese Text"/>
+        <a:font script="Lisu" typeface="Segoe UI"/>
+        <a:font script="Mymr" typeface="Myanmar Text"/>
+        <a:font script="Nkoo" typeface="Ebrima"/>
+        <a:font script="Olck" typeface="Nirmala UI"/>
+        <a:font script="Osma" typeface="Ebrima"/>
+        <a:font script="Phag" typeface="Phagspa"/>
+        <a:font script="Syrn" typeface="Estrangelo Edessa"/>
+        <a:font script="Syrj" typeface="Estrangelo Edessa"/>
+        <a:font script="Syre" typeface="Estrangelo Edessa"/>
+        <a:font script="Sora" typeface="Nirmala UI"/>
+        <a:font script="Tale" typeface="Microsoft Tai Le"/>
+        <a:font script="Talu" typeface="Microsoft New Tai Lue"/>
+        <a:font script="Tfng" typeface="Ebrima"/>
+      </a:majorFont>
+      <a:minorFont>
+        <a:latin typeface="Calibri" panose="020F0502020204030204"/>
+        <a:ea typeface=""/>
+        <a:cs typeface=""/>
+        <a:font script="Jpan" typeface="游ゴシック"/>
+        <a:font script="Hang" typeface="맑은 고딕"/>
+        <a:font script="Hans" typeface="等线"/>
+        <a:font script="Hant" typeface="新細明體"/>
+        <a:font script="Arab" typeface="Arial"/>
+        <a:font script="Hebr" typeface="Arial"/>
+        <a:font script="Thai" typeface="Cordia New"/>
+        <a:font script="Ethi" typeface="Nyala"/>
+        <a:font script="Beng" typeface="Vrinda"/>
+        <a:font script="Gujr" typeface="Shruti"/>
+        <a:font script="Khmr" typeface="DaunPenh"/>
+        <a:font script="Knda" typeface="Tunga"/>
+        <a:font script="Guru" typeface="Raavi"/>
+        <a:font script="Cans" typeface="Euphemia"/>
+        <a:font script="Cher" typeface="Plantagenet Cherokee"/>
+        <a:font script="Yiii" typeface="Microsoft Yi Baiti"/>
+        <a:font script="Tibt" typeface="Microsoft Himalaya"/>
+        <a:font script="Thaa" typeface="MV Boli"/>
+        <a:font script="Deva" typeface="Mangal"/>
+        <a:font script="Telu" typeface="Gautami"/>
+        <a:font script="Taml" typeface="Latha"/>
+        <a:font script="Syrc" typeface="Estrangelo Edessa"/>
+        <a:font script="Orya" typeface="Kalinga"/>
+        <a:font script="Mlym" typeface="Kartika"/>
+        <a:font script="Laoo" typeface="DokChampa"/>
+        <a:font script="Sinh" typeface="Iskoola Pota"/>
+        <a:font script="Mong" typeface="Mongolian Baiti"/>
+        <a:font script="Viet" typeface="Arial"/>
+        <a:font script="Uigh" typeface="Microsoft Uighur"/>
+        <a:font script="Geor" typeface="Sylfaen"/>
+        <a:font script="Armn" typeface="Arial"/>
+        <a:font script="Bugi" typeface="Leelawadee UI"/>
+        <a:font script="Bopo" typeface="Microsoft JhengHei"/>
+        <a:font script="Java" typeface="Javanese Text"/>
+        <a:font script="Lisu" typeface="Segoe UI"/>
+        <a:font script="Mymr" typeface="Myanmar Text"/>
+        <a:font script="Nkoo" typeface="Ebrima"/>
+        <a:font script="Olck" typeface="Nirmala UI"/>
+        <a:font script="Osma" typeface="Ebrima"/>
+        <a:font script="Phag" typeface="Phagspa"/>
+        <a:font script="Syrn" typeface="Estrangelo Edessa"/>
+        <a:font script="Syrj" typeface="Estrangelo Edessa"/>
+        <a:font script="Syre" typeface="Estrangelo Edessa"/>
+        <a:font script="Sora" typeface="Nirmala UI"/>
+        <a:font script="Tale" typeface="Microsoft Tai Le"/>
+        <a:font script="Talu" typeface="Microsoft New Tai Lue"/>
+        <a:font script="Tfng" typeface="Ebrima"/>
+      </a:minorFont>
+    </a:fontScheme>
+    <a:fmtScheme name="Office">
+      <a:fillStyleLst>
+        <a:solidFill>
+          <a:schemeClr val="phClr"/>
+        </a:solidFill>
+        <a:gradFill rotWithShape="1">
+          <a:gsLst>
+            <a:gs pos="0">
+              <a:schemeClr val="phClr">
+                <a:lumMod val="110000"/>
+                <a:satMod val="105000"/>
+                <a:tint val="67000"/>
+              </a:schemeClr>
+            </a:gs>
+            <a:gs pos="50000">
+              <a:schemeClr val="phClr">
+                <a:lumMod val="105000"/>
+                <a:satMod val="103000"/>
+                <a:tint val="73000"/>
+              </a:schemeClr>
+            </a:gs>
+            <a:gs pos="100000">
+              <a:schemeClr val="phClr">
+                <a:lumMod val="105000"/>
+                <a:satMod val="109000"/>
+                <a:tint val="81000"/>
+              </a:schemeClr>
+            </a:gs>
+          </a:gsLst>
+          <a:lin ang="5400000" scaled="0"/>
+        </a:gradFill>
+        <a:gradFill rotWithShape="1">
+          <a:gsLst>
+            <a:gs pos="0">
+              <a:schemeClr val="phClr">
+                <a:satMod val="103000"/>
+                <a:lumMod val="102000"/>
+                <a:tint val="94000"/>
+              </a:schemeClr>
+            </a:gs>
+            <a:gs pos="50000">
+              <a:schemeClr val="phClr">
+                <a:satMod val="110000"/>
+                <a:lumMod val="100000"/>
+                <a:shade val="100000"/>
+              </a:schemeClr>
+            </a:gs>
+            <a:gs pos="100000">
+              <a:schemeClr val="phClr">
+                <a:lumMod val="99000"/>
+                <a:satMod val="120000"/>
+                <a:shade val="78000"/>
+              </a:schemeClr>
+            </a:gs>
+          </a:gsLst>
+          <a:lin ang="5400000" scaled="0"/>
+        </a:gradFill>
+      </a:fillStyleLst>
+      <a:lnStyleLst>
+        <a:ln w="6350" cap="flat" cmpd="sng" algn="ctr">
+          <a:solidFill>
+            <a:schemeClr val="phClr"/>
+          </a:solidFill>
+          <a:prstDash val="solid"/>
+          <a:miter lim="800000"/>
+        </a:ln>
+        <a:ln w="12700" cap="flat" cmpd="sng" algn="ctr">
+          <a:solidFill>
+            <a:schemeClr val="phClr"/>
+          </a:solidFill>
+          <a:prstDash val="solid"/>
+          <a:miter lim="800000"/>
+        </a:ln>
+        <a:ln w="19050" cap="flat" cmpd="sng" algn="ctr">
+          <a:solidFill>
+            <a:schemeClr val="phClr"/>
+          </a:solidFill>
+          <a:prstDash val="solid"/>
+          <a:miter lim="800000"/>
+        </a:ln>
+      </a:lnStyleLst>
+      <a:effectStyleLst>
+        <a:effectStyle>
+          <a:effectLst/>
+        </a:effectStyle>
+        <a:effectStyle>
+          <a:effectLst/>
+        </a:effectStyle>
+        <a:effectStyle>
+          <a:effectLst>
+            <a:outerShdw blurRad="57150" dist="19050" dir="5400000" algn="ctr" rotWithShape="0">
+              <a:srgbClr val="000000">
+                <a:alpha val="63000"/>
+              </a:srgbClr>
+            </a:outerShdw>
+          </a:effectLst>
+        </a:effectStyle>
+      </a:effectStyleLst>
+      <a:bgFillStyleLst>
+        <a:solidFill>
+          <a:schemeClr val="phClr"/>
+        </a:solidFill>
+        <a:solidFill>
+          <a:schemeClr val="phClr">
+            <a:tint val="95000"/>
+            <a:satMod val="170000"/>
+          </a:schemeClr>
+        </a:solidFill>
+        <a:gradFill rotWithShape="1">
+          <a:gsLst>
+            <a:gs pos="0">
+              <a:schemeClr val="phClr">
+                <a:tint val="93000"/>
+                <a:satMod val="150000"/>
+                <a:shade val="98000"/>
+                <a:lumMod val="102000"/>
+              </a:schemeClr>
+            </a:gs>
+            <a:gs pos="50000">
+              <a:schemeClr val="phClr">
+                <a:tint val="98000"/>
+                <a:satMod val="130000"/>
+                <a:shade val="90000"/>
+                <a:lumMod val="103000"/>
+              </a:schemeClr>
+            </a:gs>
+            <a:gs pos="100000">
+              <a:schemeClr val="phClr">
+                <a:shade val="63000"/>
+                <a:satMod val="120000"/>
+              </a:schemeClr>
+            </a:gs>
+          </a:gsLst>
+          <a:lin ang="5400000" scaled="0"/>
+        </a:gradFill>
+      </a:bgFillStyleLst>
+    </a:fmtScheme>
+  </a:themeElements>
+  <a:objectDefaults/>
+  <a:extraClrSchemeLst/>
+  <a:extLst>
+    <a:ext uri="{05A4C25C-085E-4340-85A3-A5531E510DB2}">
+      <thm15:themeFamily xmlns:thm15="http://schemas.microsoft.com/office/thememl/2012/main" name="Office Theme" id="{62F939B6-93AF-4DB8-9C6B-D6C7DFDC589F}" vid="{4A3C46E8-61CC-4603-A589-7422A47A8E4A}"/>
+    </a:ext>
+  </a:extLst>
+</a:theme>
 </file>